--- a/Docs/Open house hackaton template.pptx (1).pptx
+++ b/Docs/Open house hackaton template.pptx (1).pptx
@@ -17744,16 +17744,7 @@
                 <a:cs typeface="Bitter"/>
                 <a:sym typeface="Bitter"/>
               </a:rPr>
-              <a:t>Open House </a:t>
-            </a:r>
-            <a:r>
-              <a:rPr lang="en" sz="1800" dirty="0" smtClean="0">
-                <a:latin typeface="Bitter"/>
-                <a:ea typeface="Bitter"/>
-                <a:cs typeface="Bitter"/>
-                <a:sym typeface="Bitter"/>
-              </a:rPr>
-              <a:t>Hackaton</a:t>
+              <a:t>Open House Hackaton</a:t>
             </a:r>
             <a:endParaRPr lang="pt-BR" sz="1800" dirty="0"/>
           </a:p>
@@ -17894,43 +17885,7 @@
                 <a:cs typeface="Open Sans"/>
                 <a:sym typeface="Open Sans"/>
               </a:rPr>
-              <a:t>Facilitar </a:t>
-            </a:r>
-            <a:r>
-              <a:rPr lang="pt-BR" sz="1800" dirty="0" smtClean="0">
-                <a:latin typeface="+mn-lt"/>
-                <a:ea typeface="Open Sans"/>
-                <a:cs typeface="Open Sans"/>
-                <a:sym typeface="Open Sans"/>
-              </a:rPr>
-              <a:t>a busca de trilhas sonoras de filmes e séries aos </a:t>
-            </a:r>
-            <a:r>
-              <a:rPr lang="pt-BR" sz="1800" dirty="0" smtClean="0">
-                <a:latin typeface="+mn-lt"/>
-                <a:ea typeface="Open Sans"/>
-                <a:cs typeface="Open Sans"/>
-                <a:sym typeface="Open Sans"/>
-              </a:rPr>
-              <a:t>amantes desta </a:t>
-            </a:r>
-            <a:r>
-              <a:rPr lang="pt-BR" sz="1800" dirty="0" smtClean="0">
-                <a:latin typeface="+mn-lt"/>
-                <a:ea typeface="Open Sans"/>
-                <a:cs typeface="Open Sans"/>
-                <a:sym typeface="Open Sans"/>
-              </a:rPr>
-              <a:t>arte</a:t>
-            </a:r>
-            <a:r>
-              <a:rPr lang="pt-BR" sz="1800" dirty="0" smtClean="0">
-                <a:latin typeface="+mn-lt"/>
-                <a:ea typeface="Open Sans"/>
-                <a:cs typeface="Open Sans"/>
-                <a:sym typeface="Open Sans"/>
-              </a:rPr>
-              <a:t>.</a:t>
+              <a:t>Facilitar a busca de trilhas sonoras de filmes e séries aos amantes desta arte.</a:t>
             </a:r>
             <a:endParaRPr sz="1800" dirty="0">
               <a:solidFill>
@@ -18155,30 +18110,6 @@
               <a:buFont typeface="Arial"/>
               <a:buNone/>
             </a:pPr>
-            <a:r>
-              <a:rPr lang="pt-BR" sz="1400" b="0" i="0" u="none" strike="noStrike" cap="none" dirty="0" err="1" smtClean="0">
-                <a:solidFill>
-                  <a:srgbClr val="000000"/>
-                </a:solidFill>
-                <a:latin typeface="Arial"/>
-                <a:ea typeface="Arial"/>
-                <a:cs typeface="Arial"/>
-                <a:sym typeface="Arial"/>
-              </a:rPr>
-              <a:t>Gif</a:t>
-            </a:r>
-            <a:r>
-              <a:rPr lang="pt-BR" sz="1400" b="0" i="0" u="none" strike="noStrike" cap="none" dirty="0" smtClean="0">
-                <a:solidFill>
-                  <a:srgbClr val="000000"/>
-                </a:solidFill>
-                <a:latin typeface="Arial"/>
-                <a:ea typeface="Arial"/>
-                <a:cs typeface="Arial"/>
-                <a:sym typeface="Arial"/>
-              </a:rPr>
-              <a:t> Marvel</a:t>
-            </a:r>
             <a:endParaRPr sz="1400" b="0" i="0" u="none" strike="noStrike" cap="none" dirty="0">
               <a:solidFill>
                 <a:srgbClr val="000000"/>
@@ -18226,16 +18157,7 @@
                 <a:cs typeface="Bitter"/>
                 <a:sym typeface="Bitter"/>
               </a:rPr>
-              <a:t>A </a:t>
-            </a:r>
-            <a:r>
-              <a:rPr lang="pt-BR" sz="2400" b="1" dirty="0" smtClean="0">
-                <a:latin typeface="Bitter"/>
-                <a:ea typeface="Bitter"/>
-                <a:cs typeface="Bitter"/>
-                <a:sym typeface="Bitter"/>
-              </a:rPr>
-              <a:t>solução</a:t>
+              <a:t>A solução</a:t>
             </a:r>
             <a:endParaRPr lang="pt-BR" sz="2400" b="1" dirty="0">
               <a:latin typeface="Bitter"/>
@@ -18372,6 +18294,30 @@
           </a:p>
         </p:txBody>
       </p:sp>
+      <p:pic>
+        <p:nvPicPr>
+          <p:cNvPr id="8" name="Imagem 7" descr="marvel-animation.gif"/>
+          <p:cNvPicPr>
+            <a:picLocks noChangeAspect="1"/>
+          </p:cNvPicPr>
+          <p:nvPr/>
+        </p:nvPicPr>
+        <p:blipFill>
+          <a:blip r:embed="rId5"/>
+          <a:stretch>
+            <a:fillRect/>
+          </a:stretch>
+        </p:blipFill>
+        <p:spPr>
+          <a:xfrm>
+            <a:off x="539552" y="267494"/>
+            <a:ext cx="3456384" cy="4700073"/>
+          </a:xfrm>
+          <a:prstGeom prst="rect">
+            <a:avLst/>
+          </a:prstGeom>
+        </p:spPr>
+      </p:pic>
     </p:spTree>
   </p:cSld>
   <p:clrMapOvr>
@@ -18630,21 +18576,8 @@
                 <a:cs typeface="Open Sans"/>
                 <a:sym typeface="Open Sans"/>
               </a:rPr>
-              <a:t>Ao digitar o nome do filme ou música, a busca retornará ao usuário a trilha sonora desejada</a:t>
+              <a:t>Ao digitar o nome do filme ou música, a busca retornará ao usuário a trilha sonora desejada.</a:t>
             </a:r>
-            <a:r>
-              <a:rPr lang="pt-BR" sz="1800" dirty="0" smtClean="0">
-                <a:ea typeface="Open Sans"/>
-                <a:cs typeface="Open Sans"/>
-                <a:sym typeface="Open Sans"/>
-              </a:rPr>
-              <a:t>.</a:t>
-            </a:r>
-            <a:endParaRPr lang="pt-BR" sz="1800" dirty="0" smtClean="0">
-              <a:ea typeface="Open Sans"/>
-              <a:cs typeface="Open Sans"/>
-              <a:sym typeface="Open Sans"/>
-            </a:endParaRPr>
           </a:p>
         </p:txBody>
       </p:sp>
@@ -18789,16 +18722,7 @@
                 <a:cs typeface="Open Sans"/>
                 <a:sym typeface="Open Sans"/>
               </a:rPr>
-              <a:t>Nossa tecnologia oferece uma solução de buscas que obtém resultados em </a:t>
-            </a:r>
-            <a:r>
-              <a:rPr lang="pt-BR" sz="1800" dirty="0" smtClean="0">
-                <a:latin typeface="+mn-lt"/>
-                <a:ea typeface="Open Sans"/>
-                <a:cs typeface="Open Sans"/>
-                <a:sym typeface="Open Sans"/>
-              </a:rPr>
-              <a:t>poucos </a:t>
+              <a:t>Nossa tecnologia oferece uma solução de buscas que obtém resultados em poucos </a:t>
             </a:r>
             <a:r>
               <a:rPr lang="pt-BR" sz="1800" dirty="0" err="1" smtClean="0">
@@ -18834,61 +18758,7 @@
                 <a:cs typeface="Open Sans"/>
                 <a:sym typeface="Open Sans"/>
               </a:rPr>
-              <a:t>, a </a:t>
-            </a:r>
-            <a:r>
-              <a:rPr lang="pt-BR" sz="1800" dirty="0" smtClean="0">
-                <a:latin typeface="+mn-lt"/>
-                <a:ea typeface="Open Sans"/>
-                <a:cs typeface="Open Sans"/>
-                <a:sym typeface="Open Sans"/>
-              </a:rPr>
-              <a:t>navegação é intuitiva</a:t>
-            </a:r>
-            <a:r>
-              <a:rPr lang="pt-BR" sz="1800" dirty="0" smtClean="0">
-                <a:latin typeface="+mn-lt"/>
-                <a:ea typeface="Open Sans"/>
-                <a:cs typeface="Open Sans"/>
-                <a:sym typeface="Open Sans"/>
-              </a:rPr>
-              <a:t> </a:t>
-            </a:r>
-            <a:r>
-              <a:rPr lang="pt-BR" sz="1800" dirty="0" smtClean="0">
-                <a:latin typeface="+mn-lt"/>
-                <a:ea typeface="Open Sans"/>
-                <a:cs typeface="Open Sans"/>
-                <a:sym typeface="Open Sans"/>
-              </a:rPr>
-              <a:t>e </a:t>
-            </a:r>
-            <a:r>
-              <a:rPr lang="pt-BR" sz="1800" dirty="0" smtClean="0">
-                <a:latin typeface="+mn-lt"/>
-                <a:ea typeface="Open Sans"/>
-                <a:cs typeface="Open Sans"/>
-                <a:sym typeface="Open Sans"/>
-              </a:rPr>
-              <a:t>possibilita </a:t>
-            </a:r>
-            <a:r>
-              <a:rPr lang="pt-BR" sz="1800" dirty="0" smtClean="0">
-                <a:latin typeface="+mn-lt"/>
-                <a:ea typeface="Open Sans"/>
-                <a:cs typeface="Open Sans"/>
-                <a:sym typeface="Open Sans"/>
-              </a:rPr>
-              <a:t>ouvir a </a:t>
-            </a:r>
-            <a:r>
-              <a:rPr lang="pt-BR" sz="1800" dirty="0" smtClean="0">
-                <a:latin typeface="+mn-lt"/>
-                <a:ea typeface="Open Sans"/>
-                <a:cs typeface="Open Sans"/>
-                <a:sym typeface="Open Sans"/>
-              </a:rPr>
-              <a:t>música direto no </a:t>
+              <a:t>, a navegação é intuitiva e possibilita ouvir a música direto no </a:t>
             </a:r>
             <a:r>
               <a:rPr lang="pt-BR" sz="1800" dirty="0" err="1" smtClean="0">

--- a/Docs/Open house hackaton template.pptx (1).pptx
+++ b/Docs/Open house hackaton template.pptx (1).pptx
@@ -10,12 +10,12 @@
   </p:notesMasterIdLst>
   <p:sldIdLst>
     <p:sldId id="256" r:id="rId3"/>
-    <p:sldId id="260" r:id="rId4"/>
-    <p:sldId id="265" r:id="rId5"/>
-    <p:sldId id="261" r:id="rId6"/>
-    <p:sldId id="264" r:id="rId7"/>
-    <p:sldId id="262" r:id="rId8"/>
-    <p:sldId id="263" r:id="rId9"/>
+    <p:sldId id="266" r:id="rId4"/>
+    <p:sldId id="260" r:id="rId5"/>
+    <p:sldId id="265" r:id="rId6"/>
+    <p:sldId id="261" r:id="rId7"/>
+    <p:sldId id="264" r:id="rId8"/>
+    <p:sldId id="262" r:id="rId9"/>
   </p:sldIdLst>
   <p:sldSz cx="9144000" cy="5143500" type="screen16x9"/>
   <p:notesSz cx="6858000" cy="9144000"/>
@@ -981,7 +981,7 @@
   <p:cSld>
     <p:spTree>
       <p:nvGrpSpPr>
-        <p:cNvPr id="1" name="Shape 144"/>
+        <p:cNvPr id="1" name="Shape 127"/>
         <p:cNvGrpSpPr/>
         <p:nvPr/>
       </p:nvGrpSpPr>
@@ -995,7 +995,7 @@
       </p:grpSpPr>
       <p:sp>
         <p:nvSpPr>
-          <p:cNvPr id="145" name="Google Shape;145;g3c9105c8c0_0_11:notes"/>
+          <p:cNvPr id="128" name="Google Shape;128;g37cd346978_0_67:notes"/>
           <p:cNvSpPr>
             <a:spLocks noGrp="1" noRot="1" noChangeAspect="1"/>
           </p:cNvSpPr>
@@ -1046,7 +1046,7 @@
       </p:sp>
       <p:sp>
         <p:nvSpPr>
-          <p:cNvPr id="146" name="Google Shape;146;g3c9105c8c0_0_11:notes"/>
+          <p:cNvPr id="129" name="Google Shape;129;g37cd346978_0_67:notes"/>
           <p:cNvSpPr txBox="1">
             <a:spLocks noGrp="1"/>
           </p:cNvSpPr>
@@ -1073,40 +1073,9 @@
           </a:bodyPr>
           <a:lstStyle/>
           <a:p>
-            <a:pPr marL="0" marR="0" lvl="0" indent="0" algn="ctr" rtl="0">
-              <a:lnSpc>
-                <a:spcPct val="100000"/>
-              </a:lnSpc>
-              <a:spcBef>
-                <a:spcPts val="0"/>
-              </a:spcBef>
-              <a:spcAft>
-                <a:spcPts val="0"/>
-              </a:spcAft>
-              <a:buClr>
-                <a:schemeClr val="dk1"/>
-              </a:buClr>
-              <a:buSzPts val="1100"/>
-              <a:buFont typeface="Arial"/>
-              <a:buNone/>
-            </a:pPr>
-            <a:endParaRPr sz="1100" b="0" i="0" u="none" strike="noStrike" cap="none">
-              <a:solidFill>
-                <a:schemeClr val="dk1"/>
-              </a:solidFill>
-              <a:highlight>
-                <a:srgbClr val="FFFF00"/>
-              </a:highlight>
-              <a:latin typeface="Open Sans"/>
-              <a:ea typeface="Open Sans"/>
-              <a:cs typeface="Open Sans"/>
-              <a:sym typeface="Open Sans"/>
-            </a:endParaRPr>
-          </a:p>
-          <a:p>
             <a:pPr marL="0" marR="0" lvl="0" indent="0" algn="l" rtl="0">
               <a:lnSpc>
-                <a:spcPct val="100000"/>
+                <a:spcPct val="115000"/>
               </a:lnSpc>
               <a:spcBef>
                 <a:spcPts val="0"/>
@@ -1311,6 +1280,171 @@
   <p:cSld>
     <p:spTree>
       <p:nvGrpSpPr>
+        <p:cNvPr id="1" name="Shape 144"/>
+        <p:cNvGrpSpPr/>
+        <p:nvPr/>
+      </p:nvGrpSpPr>
+      <p:grpSpPr>
+        <a:xfrm>
+          <a:off x="0" y="0"/>
+          <a:ext cx="0" cy="0"/>
+          <a:chOff x="0" y="0"/>
+          <a:chExt cx="0" cy="0"/>
+        </a:xfrm>
+      </p:grpSpPr>
+      <p:sp>
+        <p:nvSpPr>
+          <p:cNvPr id="145" name="Google Shape;145;g3c9105c8c0_0_11:notes"/>
+          <p:cNvSpPr>
+            <a:spLocks noGrp="1" noRot="1" noChangeAspect="1"/>
+          </p:cNvSpPr>
+          <p:nvPr>
+            <p:ph type="sldImg" idx="2"/>
+          </p:nvPr>
+        </p:nvSpPr>
+        <p:spPr>
+          <a:xfrm>
+            <a:off x="381000" y="685800"/>
+            <a:ext cx="6096000" cy="3429000"/>
+          </a:xfrm>
+          <a:custGeom>
+            <a:avLst/>
+            <a:gdLst/>
+            <a:ahLst/>
+            <a:cxnLst/>
+            <a:rect l="0" t="0" r="0" b="0"/>
+            <a:pathLst>
+              <a:path w="120000" h="120000" extrusionOk="0">
+                <a:moveTo>
+                  <a:pt x="0" y="0"/>
+                </a:moveTo>
+                <a:lnTo>
+                  <a:pt x="120000" y="0"/>
+                </a:lnTo>
+                <a:lnTo>
+                  <a:pt x="120000" y="120000"/>
+                </a:lnTo>
+                <a:lnTo>
+                  <a:pt x="0" y="120000"/>
+                </a:lnTo>
+                <a:close/>
+              </a:path>
+            </a:pathLst>
+          </a:custGeom>
+          <a:noFill/>
+          <a:ln w="9525" cap="flat" cmpd="sng">
+            <a:solidFill>
+              <a:srgbClr val="000000"/>
+            </a:solidFill>
+            <a:prstDash val="solid"/>
+            <a:round/>
+            <a:headEnd type="none" w="sm" len="sm"/>
+            <a:tailEnd type="none" w="sm" len="sm"/>
+          </a:ln>
+        </p:spPr>
+      </p:sp>
+      <p:sp>
+        <p:nvSpPr>
+          <p:cNvPr id="146" name="Google Shape;146;g3c9105c8c0_0_11:notes"/>
+          <p:cNvSpPr txBox="1">
+            <a:spLocks noGrp="1"/>
+          </p:cNvSpPr>
+          <p:nvPr>
+            <p:ph type="body" idx="1"/>
+          </p:nvPr>
+        </p:nvSpPr>
+        <p:spPr>
+          <a:xfrm>
+            <a:off x="685800" y="4343400"/>
+            <a:ext cx="5486400" cy="4114800"/>
+          </a:xfrm>
+          <a:prstGeom prst="rect">
+            <a:avLst/>
+          </a:prstGeom>
+          <a:noFill/>
+          <a:ln>
+            <a:noFill/>
+          </a:ln>
+        </p:spPr>
+        <p:txBody>
+          <a:bodyPr spcFirstLastPara="1" wrap="square" lIns="91425" tIns="91425" rIns="91425" bIns="91425" anchor="t" anchorCtr="0">
+            <a:noAutofit/>
+          </a:bodyPr>
+          <a:lstStyle/>
+          <a:p>
+            <a:pPr marL="0" marR="0" lvl="0" indent="0" algn="ctr" rtl="0">
+              <a:lnSpc>
+                <a:spcPct val="100000"/>
+              </a:lnSpc>
+              <a:spcBef>
+                <a:spcPts val="0"/>
+              </a:spcBef>
+              <a:spcAft>
+                <a:spcPts val="0"/>
+              </a:spcAft>
+              <a:buClr>
+                <a:schemeClr val="dk1"/>
+              </a:buClr>
+              <a:buSzPts val="1100"/>
+              <a:buFont typeface="Arial"/>
+              <a:buNone/>
+            </a:pPr>
+            <a:endParaRPr sz="1100" b="0" i="0" u="none" strike="noStrike" cap="none">
+              <a:solidFill>
+                <a:schemeClr val="dk1"/>
+              </a:solidFill>
+              <a:highlight>
+                <a:srgbClr val="FFFF00"/>
+              </a:highlight>
+              <a:latin typeface="Open Sans"/>
+              <a:ea typeface="Open Sans"/>
+              <a:cs typeface="Open Sans"/>
+              <a:sym typeface="Open Sans"/>
+            </a:endParaRPr>
+          </a:p>
+          <a:p>
+            <a:pPr marL="0" marR="0" lvl="0" indent="0" algn="l" rtl="0">
+              <a:lnSpc>
+                <a:spcPct val="100000"/>
+              </a:lnSpc>
+              <a:spcBef>
+                <a:spcPts val="0"/>
+              </a:spcBef>
+              <a:spcAft>
+                <a:spcPts val="0"/>
+              </a:spcAft>
+              <a:buClr>
+                <a:schemeClr val="dk1"/>
+              </a:buClr>
+              <a:buSzPts val="1100"/>
+              <a:buFont typeface="Arial"/>
+              <a:buNone/>
+            </a:pPr>
+            <a:endParaRPr sz="1100" b="0" i="0" u="none" strike="noStrike" cap="none">
+              <a:solidFill>
+                <a:srgbClr val="000000"/>
+              </a:solidFill>
+              <a:latin typeface="Arial"/>
+              <a:ea typeface="Arial"/>
+              <a:cs typeface="Arial"/>
+              <a:sym typeface="Arial"/>
+            </a:endParaRPr>
+          </a:p>
+        </p:txBody>
+      </p:sp>
+    </p:spTree>
+  </p:cSld>
+  <p:clrMapOvr>
+    <a:masterClrMapping/>
+  </p:clrMapOvr>
+</p:notes>
+</file>
+
+<file path=ppt/notesSlides/notesSlide5.xml><?xml version="1.0" encoding="utf-8"?>
+<p:notes xmlns:a="http://schemas.openxmlformats.org/drawingml/2006/main" xmlns:r="http://schemas.openxmlformats.org/officeDocument/2006/relationships" xmlns:p="http://schemas.openxmlformats.org/presentationml/2006/main" showMasterSp="0" showMasterPhAnim="0">
+  <p:cSld>
+    <p:spTree>
+      <p:nvGrpSpPr>
         <p:cNvPr id="1" name="Shape 154"/>
         <p:cNvGrpSpPr/>
         <p:nvPr/>
@@ -1471,7 +1605,7 @@
 </p:notes>
 </file>
 
-<file path=ppt/notesSlides/notesSlide5.xml><?xml version="1.0" encoding="utf-8"?>
+<file path=ppt/notesSlides/notesSlide6.xml><?xml version="1.0" encoding="utf-8"?>
 <p:notes xmlns:a="http://schemas.openxmlformats.org/drawingml/2006/main" xmlns:r="http://schemas.openxmlformats.org/officeDocument/2006/relationships" xmlns:p="http://schemas.openxmlformats.org/presentationml/2006/main" showMasterSp="0" showMasterPhAnim="0">
   <p:cSld>
     <p:spTree>
@@ -1636,7 +1770,7 @@
 </p:notes>
 </file>
 
-<file path=ppt/notesSlides/notesSlide6.xml><?xml version="1.0" encoding="utf-8"?>
+<file path=ppt/notesSlides/notesSlide7.xml><?xml version="1.0" encoding="utf-8"?>
 <p:notes xmlns:a="http://schemas.openxmlformats.org/drawingml/2006/main" xmlns:r="http://schemas.openxmlformats.org/officeDocument/2006/relationships" xmlns:p="http://schemas.openxmlformats.org/presentationml/2006/main" showMasterSp="0" showMasterPhAnim="0">
   <p:cSld>
     <p:spTree>
@@ -1747,140 +1881,6 @@
                 <a:srgbClr val="000000"/>
               </a:buClr>
               <a:buSzPts val="1400"/>
-              <a:buFont typeface="Arial"/>
-              <a:buNone/>
-            </a:pPr>
-            <a:endParaRPr sz="1100" b="0" i="0" u="none" strike="noStrike" cap="none">
-              <a:solidFill>
-                <a:srgbClr val="000000"/>
-              </a:solidFill>
-              <a:latin typeface="Arial"/>
-              <a:ea typeface="Arial"/>
-              <a:cs typeface="Arial"/>
-              <a:sym typeface="Arial"/>
-            </a:endParaRPr>
-          </a:p>
-        </p:txBody>
-      </p:sp>
-    </p:spTree>
-  </p:cSld>
-  <p:clrMapOvr>
-    <a:masterClrMapping/>
-  </p:clrMapOvr>
-</p:notes>
-</file>
-
-<file path=ppt/notesSlides/notesSlide7.xml><?xml version="1.0" encoding="utf-8"?>
-<p:notes xmlns:a="http://schemas.openxmlformats.org/drawingml/2006/main" xmlns:r="http://schemas.openxmlformats.org/officeDocument/2006/relationships" xmlns:p="http://schemas.openxmlformats.org/presentationml/2006/main" showMasterSp="0" showMasterPhAnim="0">
-  <p:cSld>
-    <p:spTree>
-      <p:nvGrpSpPr>
-        <p:cNvPr id="1" name="Shape 127"/>
-        <p:cNvGrpSpPr/>
-        <p:nvPr/>
-      </p:nvGrpSpPr>
-      <p:grpSpPr>
-        <a:xfrm>
-          <a:off x="0" y="0"/>
-          <a:ext cx="0" cy="0"/>
-          <a:chOff x="0" y="0"/>
-          <a:chExt cx="0" cy="0"/>
-        </a:xfrm>
-      </p:grpSpPr>
-      <p:sp>
-        <p:nvSpPr>
-          <p:cNvPr id="128" name="Google Shape;128;g37cd346978_0_67:notes"/>
-          <p:cNvSpPr>
-            <a:spLocks noGrp="1" noRot="1" noChangeAspect="1"/>
-          </p:cNvSpPr>
-          <p:nvPr>
-            <p:ph type="sldImg" idx="2"/>
-          </p:nvPr>
-        </p:nvSpPr>
-        <p:spPr>
-          <a:xfrm>
-            <a:off x="381000" y="685800"/>
-            <a:ext cx="6096000" cy="3429000"/>
-          </a:xfrm>
-          <a:custGeom>
-            <a:avLst/>
-            <a:gdLst/>
-            <a:ahLst/>
-            <a:cxnLst/>
-            <a:rect l="0" t="0" r="0" b="0"/>
-            <a:pathLst>
-              <a:path w="120000" h="120000" extrusionOk="0">
-                <a:moveTo>
-                  <a:pt x="0" y="0"/>
-                </a:moveTo>
-                <a:lnTo>
-                  <a:pt x="120000" y="0"/>
-                </a:lnTo>
-                <a:lnTo>
-                  <a:pt x="120000" y="120000"/>
-                </a:lnTo>
-                <a:lnTo>
-                  <a:pt x="0" y="120000"/>
-                </a:lnTo>
-                <a:close/>
-              </a:path>
-            </a:pathLst>
-          </a:custGeom>
-          <a:noFill/>
-          <a:ln w="9525" cap="flat" cmpd="sng">
-            <a:solidFill>
-              <a:srgbClr val="000000"/>
-            </a:solidFill>
-            <a:prstDash val="solid"/>
-            <a:round/>
-            <a:headEnd type="none" w="sm" len="sm"/>
-            <a:tailEnd type="none" w="sm" len="sm"/>
-          </a:ln>
-        </p:spPr>
-      </p:sp>
-      <p:sp>
-        <p:nvSpPr>
-          <p:cNvPr id="129" name="Google Shape;129;g37cd346978_0_67:notes"/>
-          <p:cNvSpPr txBox="1">
-            <a:spLocks noGrp="1"/>
-          </p:cNvSpPr>
-          <p:nvPr>
-            <p:ph type="body" idx="1"/>
-          </p:nvPr>
-        </p:nvSpPr>
-        <p:spPr>
-          <a:xfrm>
-            <a:off x="685800" y="4343400"/>
-            <a:ext cx="5486400" cy="4114800"/>
-          </a:xfrm>
-          <a:prstGeom prst="rect">
-            <a:avLst/>
-          </a:prstGeom>
-          <a:noFill/>
-          <a:ln>
-            <a:noFill/>
-          </a:ln>
-        </p:spPr>
-        <p:txBody>
-          <a:bodyPr spcFirstLastPara="1" wrap="square" lIns="91425" tIns="91425" rIns="91425" bIns="91425" anchor="t" anchorCtr="0">
-            <a:noAutofit/>
-          </a:bodyPr>
-          <a:lstStyle/>
-          <a:p>
-            <a:pPr marL="0" marR="0" lvl="0" indent="0" algn="l" rtl="0">
-              <a:lnSpc>
-                <a:spcPct val="115000"/>
-              </a:lnSpc>
-              <a:spcBef>
-                <a:spcPts val="0"/>
-              </a:spcBef>
-              <a:spcAft>
-                <a:spcPts val="0"/>
-              </a:spcAft>
-              <a:buClr>
-                <a:schemeClr val="dk1"/>
-              </a:buClr>
-              <a:buSzPts val="1100"/>
               <a:buFont typeface="Arial"/>
               <a:buNone/>
             </a:pPr>
@@ -17768,6 +17768,183 @@
 <file path=ppt/slides/slide2.xml><?xml version="1.0" encoding="utf-8"?>
 <p:sld xmlns:a="http://schemas.openxmlformats.org/drawingml/2006/main" xmlns:r="http://schemas.openxmlformats.org/officeDocument/2006/relationships" xmlns:p="http://schemas.openxmlformats.org/presentationml/2006/main">
   <p:cSld>
+    <p:spTree>
+      <p:nvGrpSpPr>
+        <p:cNvPr id="1" name="Shape 130"/>
+        <p:cNvGrpSpPr/>
+        <p:nvPr/>
+      </p:nvGrpSpPr>
+      <p:grpSpPr>
+        <a:xfrm>
+          <a:off x="0" y="0"/>
+          <a:ext cx="0" cy="0"/>
+          <a:chOff x="0" y="0"/>
+          <a:chExt cx="0" cy="0"/>
+        </a:xfrm>
+      </p:grpSpPr>
+      <p:sp>
+        <p:nvSpPr>
+          <p:cNvPr id="131" name="Google Shape;131;p33"/>
+          <p:cNvSpPr txBox="1"/>
+          <p:nvPr/>
+        </p:nvSpPr>
+        <p:spPr>
+          <a:xfrm>
+            <a:off x="232363" y="262850"/>
+            <a:ext cx="8774400" cy="405300"/>
+          </a:xfrm>
+          <a:prstGeom prst="rect">
+            <a:avLst/>
+          </a:prstGeom>
+          <a:noFill/>
+          <a:ln>
+            <a:noFill/>
+          </a:ln>
+        </p:spPr>
+        <p:txBody>
+          <a:bodyPr spcFirstLastPara="1" wrap="square" lIns="91425" tIns="91425" rIns="91425" bIns="91425" anchor="ctr" anchorCtr="0">
+            <a:noAutofit/>
+          </a:bodyPr>
+          <a:lstStyle/>
+          <a:p>
+            <a:pPr marL="0" marR="0" lvl="0" indent="0" algn="l" rtl="0">
+              <a:lnSpc>
+                <a:spcPct val="100000"/>
+              </a:lnSpc>
+              <a:spcBef>
+                <a:spcPts val="0"/>
+              </a:spcBef>
+              <a:spcAft>
+                <a:spcPts val="0"/>
+              </a:spcAft>
+              <a:buClr>
+                <a:schemeClr val="dk1"/>
+              </a:buClr>
+              <a:buSzPts val="1100"/>
+              <a:buFont typeface="Arial"/>
+              <a:buNone/>
+            </a:pPr>
+            <a:r>
+              <a:rPr lang="en" sz="2800" b="1" dirty="0" smtClean="0">
+                <a:solidFill>
+                  <a:schemeClr val="dk1"/>
+                </a:solidFill>
+                <a:latin typeface="Bitter"/>
+                <a:ea typeface="Bitter"/>
+                <a:cs typeface="Bitter"/>
+                <a:sym typeface="Bitter"/>
+              </a:rPr>
+              <a:t>#TheWonderGirls Team</a:t>
+            </a:r>
+            <a:endParaRPr sz="2800" b="1" dirty="0">
+              <a:solidFill>
+                <a:schemeClr val="dk1"/>
+              </a:solidFill>
+              <a:latin typeface="Bitter"/>
+              <a:ea typeface="Bitter"/>
+              <a:cs typeface="Bitter"/>
+              <a:sym typeface="Bitter"/>
+            </a:endParaRPr>
+          </a:p>
+        </p:txBody>
+      </p:sp>
+      <p:pic>
+        <p:nvPicPr>
+          <p:cNvPr id="132" name="Google Shape;132;p33"/>
+          <p:cNvPicPr preferRelativeResize="0"/>
+          <p:nvPr/>
+        </p:nvPicPr>
+        <p:blipFill>
+          <a:blip r:embed="rId3">
+            <a:alphaModFix/>
+          </a:blip>
+          <a:stretch>
+            <a:fillRect/>
+          </a:stretch>
+        </p:blipFill>
+        <p:spPr>
+          <a:xfrm>
+            <a:off x="8602957" y="4581600"/>
+            <a:ext cx="367000" cy="367000"/>
+          </a:xfrm>
+          <a:prstGeom prst="rect">
+            <a:avLst/>
+          </a:prstGeom>
+          <a:noFill/>
+          <a:ln>
+            <a:noFill/>
+          </a:ln>
+        </p:spPr>
+      </p:pic>
+      <p:pic>
+        <p:nvPicPr>
+          <p:cNvPr id="133" name="Google Shape;133;p33"/>
+          <p:cNvPicPr preferRelativeResize="0"/>
+          <p:nvPr/>
+        </p:nvPicPr>
+        <p:blipFill rotWithShape="1">
+          <a:blip r:embed="rId4">
+            <a:alphaModFix/>
+          </a:blip>
+          <a:srcRect/>
+          <a:stretch/>
+        </p:blipFill>
+        <p:spPr>
+          <a:xfrm>
+            <a:off x="-9632" y="263580"/>
+            <a:ext cx="221193" cy="438437"/>
+          </a:xfrm>
+          <a:prstGeom prst="rect">
+            <a:avLst/>
+          </a:prstGeom>
+          <a:noFill/>
+          <a:ln>
+            <a:noFill/>
+          </a:ln>
+        </p:spPr>
+      </p:pic>
+      <p:pic>
+        <p:nvPicPr>
+          <p:cNvPr id="12" name="Imagem 11" descr="fotos-final.png"/>
+          <p:cNvPicPr>
+            <a:picLocks noChangeAspect="1"/>
+          </p:cNvPicPr>
+          <p:nvPr/>
+        </p:nvPicPr>
+        <p:blipFill>
+          <a:blip r:embed="rId5"/>
+          <a:stretch>
+            <a:fillRect/>
+          </a:stretch>
+        </p:blipFill>
+        <p:spPr>
+          <a:xfrm>
+            <a:off x="971600" y="784118"/>
+            <a:ext cx="6912768" cy="4059655"/>
+          </a:xfrm>
+          <a:prstGeom prst="rect">
+            <a:avLst/>
+          </a:prstGeom>
+        </p:spPr>
+      </p:pic>
+    </p:spTree>
+  </p:cSld>
+  <p:clrMapOvr>
+    <a:masterClrMapping/>
+  </p:clrMapOvr>
+  <p:timing>
+    <p:tnLst>
+      <p:par>
+        <p:cTn id="1" dur="indefinite" restart="never" nodeType="tmRoot"/>
+      </p:par>
+    </p:tnLst>
+  </p:timing>
+</p:sld>
+</file>
+
+<file path=ppt/slides/slide3.xml><?xml version="1.0" encoding="utf-8"?>
+<p:sld xmlns:a="http://schemas.openxmlformats.org/drawingml/2006/main" xmlns:r="http://schemas.openxmlformats.org/officeDocument/2006/relationships" xmlns:p="http://schemas.openxmlformats.org/presentationml/2006/main">
+  <p:cSld>
     <p:bg>
       <p:bgPr>
         <a:noFill/>
@@ -18049,7 +18226,7 @@
 </p:sld>
 </file>
 
-<file path=ppt/slides/slide3.xml><?xml version="1.0" encoding="utf-8"?>
+<file path=ppt/slides/slide4.xml><?xml version="1.0" encoding="utf-8"?>
 <p:sld xmlns:a="http://schemas.openxmlformats.org/drawingml/2006/main" xmlns:r="http://schemas.openxmlformats.org/officeDocument/2006/relationships" xmlns:p="http://schemas.openxmlformats.org/presentationml/2006/main">
   <p:cSld>
     <p:spTree>
@@ -18333,7 +18510,7 @@
 </p:sld>
 </file>
 
-<file path=ppt/slides/slide4.xml><?xml version="1.0" encoding="utf-8"?>
+<file path=ppt/slides/slide5.xml><?xml version="1.0" encoding="utf-8"?>
 <p:sld xmlns:a="http://schemas.openxmlformats.org/drawingml/2006/main" xmlns:r="http://schemas.openxmlformats.org/officeDocument/2006/relationships" xmlns:p="http://schemas.openxmlformats.org/presentationml/2006/main">
   <p:cSld>
     <p:bg>
@@ -18400,18 +18577,6 @@
               <a:buFont typeface="Arial"/>
               <a:buNone/>
             </a:pPr>
-            <a:r>
-              <a:rPr lang="pt-BR" sz="1400" b="0" i="0" u="none" strike="noStrike" cap="none" dirty="0" smtClean="0">
-                <a:solidFill>
-                  <a:srgbClr val="000000"/>
-                </a:solidFill>
-                <a:latin typeface="Arial"/>
-                <a:ea typeface="Arial"/>
-                <a:cs typeface="Arial"/>
-                <a:sym typeface="Arial"/>
-              </a:rPr>
-              <a:t>Foto ilustrativa do protótipo</a:t>
-            </a:r>
             <a:endParaRPr sz="1400" b="0" i="0" u="none" strike="noStrike" cap="none" dirty="0">
               <a:solidFill>
                 <a:srgbClr val="000000"/>
@@ -18581,6 +18746,30 @@
           </a:p>
         </p:txBody>
       </p:sp>
+      <p:pic>
+        <p:nvPicPr>
+          <p:cNvPr id="7" name="Imagem 6" descr="marvel-animation.gif"/>
+          <p:cNvPicPr>
+            <a:picLocks noChangeAspect="1"/>
+          </p:cNvPicPr>
+          <p:nvPr/>
+        </p:nvPicPr>
+        <p:blipFill>
+          <a:blip r:embed="rId5"/>
+          <a:stretch>
+            <a:fillRect/>
+          </a:stretch>
+        </p:blipFill>
+        <p:spPr>
+          <a:xfrm>
+            <a:off x="539552" y="267494"/>
+            <a:ext cx="3389052" cy="4608512"/>
+          </a:xfrm>
+          <a:prstGeom prst="rect">
+            <a:avLst/>
+          </a:prstGeom>
+        </p:spPr>
+      </p:pic>
     </p:spTree>
   </p:cSld>
   <p:clrMapOvr>
@@ -18596,7 +18785,7 @@
 </p:sld>
 </file>
 
-<file path=ppt/slides/slide5.xml><?xml version="1.0" encoding="utf-8"?>
+<file path=ppt/slides/slide6.xml><?xml version="1.0" encoding="utf-8"?>
 <p:sld xmlns:a="http://schemas.openxmlformats.org/drawingml/2006/main" xmlns:r="http://schemas.openxmlformats.org/officeDocument/2006/relationships" xmlns:p="http://schemas.openxmlformats.org/presentationml/2006/main">
   <p:cSld>
     <p:spTree>
@@ -18916,7 +19105,7 @@
 </p:sld>
 </file>
 
-<file path=ppt/slides/slide6.xml><?xml version="1.0" encoding="utf-8"?>
+<file path=ppt/slides/slide7.xml><?xml version="1.0" encoding="utf-8"?>
 <p:sld xmlns:a="http://schemas.openxmlformats.org/drawingml/2006/main" xmlns:r="http://schemas.openxmlformats.org/officeDocument/2006/relationships" xmlns:p="http://schemas.openxmlformats.org/presentationml/2006/main">
   <p:cSld>
     <p:bg>
@@ -19040,7 +19229,7 @@
               <a:buNone/>
             </a:pPr>
             <a:r>
-              <a:rPr lang="en" sz="4800">
+              <a:rPr lang="en" sz="4800" dirty="0">
                 <a:latin typeface="Bitter"/>
                 <a:ea typeface="Bitter"/>
                 <a:cs typeface="Bitter"/>
@@ -19048,7 +19237,7 @@
               </a:rPr>
               <a:t>Coloque a sua demo aqui</a:t>
             </a:r>
-            <a:endParaRPr sz="4800">
+            <a:endParaRPr sz="4800" dirty="0">
               <a:latin typeface="Bitter"/>
               <a:ea typeface="Bitter"/>
               <a:cs typeface="Bitter"/>
@@ -19073,7 +19262,7 @@
               <a:buFont typeface="Arial"/>
               <a:buNone/>
             </a:pPr>
-            <a:endParaRPr sz="7200">
+            <a:endParaRPr sz="7200" dirty="0">
               <a:latin typeface="Bitter"/>
               <a:ea typeface="Bitter"/>
               <a:cs typeface="Bitter"/>
@@ -19161,183 +19350,6 @@
           <a:ln>
             <a:noFill/>
           </a:ln>
-        </p:spPr>
-      </p:pic>
-    </p:spTree>
-  </p:cSld>
-  <p:clrMapOvr>
-    <a:masterClrMapping/>
-  </p:clrMapOvr>
-  <p:timing>
-    <p:tnLst>
-      <p:par>
-        <p:cTn id="1" dur="indefinite" restart="never" nodeType="tmRoot"/>
-      </p:par>
-    </p:tnLst>
-  </p:timing>
-</p:sld>
-</file>
-
-<file path=ppt/slides/slide7.xml><?xml version="1.0" encoding="utf-8"?>
-<p:sld xmlns:a="http://schemas.openxmlformats.org/drawingml/2006/main" xmlns:r="http://schemas.openxmlformats.org/officeDocument/2006/relationships" xmlns:p="http://schemas.openxmlformats.org/presentationml/2006/main">
-  <p:cSld>
-    <p:spTree>
-      <p:nvGrpSpPr>
-        <p:cNvPr id="1" name="Shape 130"/>
-        <p:cNvGrpSpPr/>
-        <p:nvPr/>
-      </p:nvGrpSpPr>
-      <p:grpSpPr>
-        <a:xfrm>
-          <a:off x="0" y="0"/>
-          <a:ext cx="0" cy="0"/>
-          <a:chOff x="0" y="0"/>
-          <a:chExt cx="0" cy="0"/>
-        </a:xfrm>
-      </p:grpSpPr>
-      <p:sp>
-        <p:nvSpPr>
-          <p:cNvPr id="131" name="Google Shape;131;p33"/>
-          <p:cNvSpPr txBox="1"/>
-          <p:nvPr/>
-        </p:nvSpPr>
-        <p:spPr>
-          <a:xfrm>
-            <a:off x="232363" y="262850"/>
-            <a:ext cx="8774400" cy="405300"/>
-          </a:xfrm>
-          <a:prstGeom prst="rect">
-            <a:avLst/>
-          </a:prstGeom>
-          <a:noFill/>
-          <a:ln>
-            <a:noFill/>
-          </a:ln>
-        </p:spPr>
-        <p:txBody>
-          <a:bodyPr spcFirstLastPara="1" wrap="square" lIns="91425" tIns="91425" rIns="91425" bIns="91425" anchor="ctr" anchorCtr="0">
-            <a:noAutofit/>
-          </a:bodyPr>
-          <a:lstStyle/>
-          <a:p>
-            <a:pPr marL="0" marR="0" lvl="0" indent="0" algn="l" rtl="0">
-              <a:lnSpc>
-                <a:spcPct val="100000"/>
-              </a:lnSpc>
-              <a:spcBef>
-                <a:spcPts val="0"/>
-              </a:spcBef>
-              <a:spcAft>
-                <a:spcPts val="0"/>
-              </a:spcAft>
-              <a:buClr>
-                <a:schemeClr val="dk1"/>
-              </a:buClr>
-              <a:buSzPts val="1100"/>
-              <a:buFont typeface="Arial"/>
-              <a:buNone/>
-            </a:pPr>
-            <a:r>
-              <a:rPr lang="en" sz="2800" b="1" dirty="0" smtClean="0">
-                <a:solidFill>
-                  <a:schemeClr val="dk1"/>
-                </a:solidFill>
-                <a:latin typeface="Bitter"/>
-                <a:ea typeface="Bitter"/>
-                <a:cs typeface="Bitter"/>
-                <a:sym typeface="Bitter"/>
-              </a:rPr>
-              <a:t>#TheWonderGirls Team</a:t>
-            </a:r>
-            <a:endParaRPr sz="2800" b="1" dirty="0">
-              <a:solidFill>
-                <a:schemeClr val="dk1"/>
-              </a:solidFill>
-              <a:latin typeface="Bitter"/>
-              <a:ea typeface="Bitter"/>
-              <a:cs typeface="Bitter"/>
-              <a:sym typeface="Bitter"/>
-            </a:endParaRPr>
-          </a:p>
-        </p:txBody>
-      </p:sp>
-      <p:pic>
-        <p:nvPicPr>
-          <p:cNvPr id="132" name="Google Shape;132;p33"/>
-          <p:cNvPicPr preferRelativeResize="0"/>
-          <p:nvPr/>
-        </p:nvPicPr>
-        <p:blipFill>
-          <a:blip r:embed="rId3">
-            <a:alphaModFix/>
-          </a:blip>
-          <a:stretch>
-            <a:fillRect/>
-          </a:stretch>
-        </p:blipFill>
-        <p:spPr>
-          <a:xfrm>
-            <a:off x="8602957" y="4581600"/>
-            <a:ext cx="367000" cy="367000"/>
-          </a:xfrm>
-          <a:prstGeom prst="rect">
-            <a:avLst/>
-          </a:prstGeom>
-          <a:noFill/>
-          <a:ln>
-            <a:noFill/>
-          </a:ln>
-        </p:spPr>
-      </p:pic>
-      <p:pic>
-        <p:nvPicPr>
-          <p:cNvPr id="133" name="Google Shape;133;p33"/>
-          <p:cNvPicPr preferRelativeResize="0"/>
-          <p:nvPr/>
-        </p:nvPicPr>
-        <p:blipFill rotWithShape="1">
-          <a:blip r:embed="rId4">
-            <a:alphaModFix/>
-          </a:blip>
-          <a:srcRect/>
-          <a:stretch/>
-        </p:blipFill>
-        <p:spPr>
-          <a:xfrm>
-            <a:off x="-9632" y="263580"/>
-            <a:ext cx="221193" cy="438437"/>
-          </a:xfrm>
-          <a:prstGeom prst="rect">
-            <a:avLst/>
-          </a:prstGeom>
-          <a:noFill/>
-          <a:ln>
-            <a:noFill/>
-          </a:ln>
-        </p:spPr>
-      </p:pic>
-      <p:pic>
-        <p:nvPicPr>
-          <p:cNvPr id="12" name="Imagem 11" descr="fotos-final.png"/>
-          <p:cNvPicPr>
-            <a:picLocks noChangeAspect="1"/>
-          </p:cNvPicPr>
-          <p:nvPr/>
-        </p:nvPicPr>
-        <p:blipFill>
-          <a:blip r:embed="rId5"/>
-          <a:stretch>
-            <a:fillRect/>
-          </a:stretch>
-        </p:blipFill>
-        <p:spPr>
-          <a:xfrm>
-            <a:off x="971600" y="784118"/>
-            <a:ext cx="6912768" cy="4059655"/>
-          </a:xfrm>
-          <a:prstGeom prst="rect">
-            <a:avLst/>
-          </a:prstGeom>
         </p:spPr>
       </p:pic>
     </p:spTree>

--- a/Docs/Open house hackaton template.pptx (1).pptx
+++ b/Docs/Open house hackaton template.pptx (1).pptx
@@ -18846,18 +18846,6 @@
               <a:buFont typeface="Arial"/>
               <a:buNone/>
             </a:pPr>
-            <a:r>
-              <a:rPr lang="pt-BR" sz="1400" b="0" i="0" u="none" strike="noStrike" cap="none" dirty="0" smtClean="0">
-                <a:solidFill>
-                  <a:srgbClr val="000000"/>
-                </a:solidFill>
-                <a:latin typeface="Arial"/>
-                <a:ea typeface="Arial"/>
-                <a:cs typeface="Arial"/>
-                <a:sym typeface="Arial"/>
-              </a:rPr>
-              <a:t>foto</a:t>
-            </a:r>
             <a:endParaRPr sz="1400" b="0" i="0" u="none" strike="noStrike" cap="none" dirty="0">
               <a:solidFill>
                 <a:srgbClr val="000000"/>
@@ -19090,6 +19078,30 @@
           </a:ln>
         </p:spPr>
       </p:pic>
+      <p:pic>
+        <p:nvPicPr>
+          <p:cNvPr id="14" name="Imagem 13" descr="giphy (4).gif"/>
+          <p:cNvPicPr>
+            <a:picLocks noChangeAspect="1"/>
+          </p:cNvPicPr>
+          <p:nvPr/>
+        </p:nvPicPr>
+        <p:blipFill>
+          <a:blip r:embed="rId5"/>
+          <a:stretch>
+            <a:fillRect/>
+          </a:stretch>
+        </p:blipFill>
+        <p:spPr>
+          <a:xfrm>
+            <a:off x="755576" y="1131590"/>
+            <a:ext cx="2857500" cy="2857500"/>
+          </a:xfrm>
+          <a:prstGeom prst="rect">
+            <a:avLst/>
+          </a:prstGeom>
+        </p:spPr>
+      </p:pic>
     </p:spTree>
   </p:cSld>
   <p:clrMapOvr>
@@ -19229,41 +19241,91 @@
               <a:buNone/>
             </a:pPr>
             <a:r>
-              <a:rPr lang="en" sz="4800" dirty="0">
-                <a:latin typeface="Bitter"/>
+              <a:rPr lang="pt-BR" sz="1800" dirty="0" smtClean="0">
+                <a:latin typeface="+mn-lt"/>
                 <a:ea typeface="Bitter"/>
                 <a:cs typeface="Bitter"/>
                 <a:sym typeface="Bitter"/>
               </a:rPr>
-              <a:t>Coloque a sua demo aqui</a:t>
+              <a:t>Link </a:t>
             </a:r>
-            <a:endParaRPr sz="4800" dirty="0">
-              <a:latin typeface="Bitter"/>
+            <a:r>
+              <a:rPr lang="pt-BR" sz="1800" dirty="0" err="1" smtClean="0">
+                <a:latin typeface="+mn-lt"/>
+                <a:ea typeface="Bitter"/>
+                <a:cs typeface="Bitter"/>
+                <a:sym typeface="Bitter"/>
+              </a:rPr>
+              <a:t>GitHub</a:t>
+            </a:r>
+            <a:r>
+              <a:rPr lang="pt-BR" sz="1800" dirty="0" smtClean="0">
+                <a:latin typeface="+mn-lt"/>
+                <a:ea typeface="Bitter"/>
+                <a:cs typeface="Bitter"/>
+                <a:sym typeface="Bitter"/>
+              </a:rPr>
+              <a:t> </a:t>
+            </a:r>
+            <a:r>
+              <a:rPr lang="pt-BR" sz="1800" dirty="0" err="1" smtClean="0">
+                <a:latin typeface="+mn-lt"/>
+                <a:ea typeface="Bitter"/>
+                <a:cs typeface="Bitter"/>
+                <a:sym typeface="Bitter"/>
+              </a:rPr>
+              <a:t>pages</a:t>
+            </a:r>
+            <a:r>
+              <a:rPr lang="pt-BR" sz="1800" dirty="0" smtClean="0">
+                <a:latin typeface="+mn-lt"/>
+                <a:ea typeface="Bitter"/>
+                <a:cs typeface="Bitter"/>
+                <a:sym typeface="Bitter"/>
+              </a:rPr>
+              <a:t>:</a:t>
+            </a:r>
+          </a:p>
+          <a:p>
+            <a:pPr marL="0" marR="0" lvl="0" indent="0" algn="l" rtl="0">
+              <a:lnSpc>
+                <a:spcPct val="100000"/>
+              </a:lnSpc>
+              <a:spcBef>
+                <a:spcPts val="0"/>
+              </a:spcBef>
+              <a:spcAft>
+                <a:spcPts val="0"/>
+              </a:spcAft>
+              <a:buClr>
+                <a:srgbClr val="000000"/>
+              </a:buClr>
+              <a:buSzPts val="7200"/>
+              <a:buFont typeface="Arial"/>
+              <a:buNone/>
+            </a:pPr>
+            <a:endParaRPr lang="pt-BR" sz="1800" dirty="0" smtClean="0">
+              <a:latin typeface="+mn-lt"/>
               <a:ea typeface="Bitter"/>
               <a:cs typeface="Bitter"/>
               <a:sym typeface="Bitter"/>
             </a:endParaRPr>
           </a:p>
           <a:p>
-            <a:pPr marL="0" marR="0" lvl="0" indent="0" algn="l" rtl="0">
-              <a:lnSpc>
-                <a:spcPct val="100000"/>
-              </a:lnSpc>
-              <a:spcBef>
-                <a:spcPts val="0"/>
-              </a:spcBef>
-              <a:spcAft>
-                <a:spcPts val="0"/>
-              </a:spcAft>
-              <a:buClr>
-                <a:srgbClr val="000000"/>
-              </a:buClr>
+            <a:pPr lvl="0">
               <a:buSzPts val="7200"/>
-              <a:buFont typeface="Arial"/>
-              <a:buNone/>
             </a:pPr>
-            <a:endParaRPr sz="7200" dirty="0">
-              <a:latin typeface="Bitter"/>
+            <a:r>
+              <a:rPr lang="pt-BR" sz="1800" dirty="0" smtClean="0">
+                <a:latin typeface="+mn-lt"/>
+                <a:ea typeface="Bitter"/>
+                <a:cs typeface="Bitter"/>
+                <a:sym typeface="Bitter"/>
+              </a:rPr>
+              <a:t>https://dayraroberta.github.io/hackathon-laboratoria/</a:t>
+            </a:r>
+            <a:endParaRPr sz="1800" dirty="0">
+              <a:latin typeface="+mn-lt"/>
               <a:ea typeface="Bitter"/>
               <a:cs typeface="Bitter"/>
               <a:sym typeface="Bitter"/>
@@ -19273,39 +19335,12 @@
       </p:sp>
       <p:pic>
         <p:nvPicPr>
-          <p:cNvPr id="170" name="Google Shape;170;p36"/>
+          <p:cNvPr id="171" name="Google Shape;171;p36"/>
           <p:cNvPicPr preferRelativeResize="0"/>
           <p:nvPr/>
         </p:nvPicPr>
         <p:blipFill rotWithShape="1">
           <a:blip r:embed="rId3">
-            <a:alphaModFix/>
-          </a:blip>
-          <a:srcRect/>
-          <a:stretch/>
-        </p:blipFill>
-        <p:spPr>
-          <a:xfrm>
-            <a:off x="977591" y="1334537"/>
-            <a:ext cx="2476724" cy="2474424"/>
-          </a:xfrm>
-          <a:prstGeom prst="rect">
-            <a:avLst/>
-          </a:prstGeom>
-          <a:noFill/>
-          <a:ln>
-            <a:noFill/>
-          </a:ln>
-        </p:spPr>
-      </p:pic>
-      <p:pic>
-        <p:nvPicPr>
-          <p:cNvPr id="171" name="Google Shape;171;p36"/>
-          <p:cNvPicPr preferRelativeResize="0"/>
-          <p:nvPr/>
-        </p:nvPicPr>
-        <p:blipFill rotWithShape="1">
-          <a:blip r:embed="rId4">
             <a:alphaModFix/>
           </a:blip>
           <a:srcRect t="27891"/>
@@ -19332,7 +19367,7 @@
           <p:nvPr/>
         </p:nvPicPr>
         <p:blipFill rotWithShape="1">
-          <a:blip r:embed="rId5">
+          <a:blip r:embed="rId4">
             <a:alphaModFix/>
           </a:blip>
           <a:srcRect b="27641"/>
@@ -19350,6 +19385,30 @@
           <a:ln>
             <a:noFill/>
           </a:ln>
+        </p:spPr>
+      </p:pic>
+      <p:pic>
+        <p:nvPicPr>
+          <p:cNvPr id="7" name="Imagem 6" descr="site.gif"/>
+          <p:cNvPicPr>
+            <a:picLocks noChangeAspect="1"/>
+          </p:cNvPicPr>
+          <p:nvPr/>
+        </p:nvPicPr>
+        <p:blipFill>
+          <a:blip r:embed="rId5"/>
+          <a:stretch>
+            <a:fillRect/>
+          </a:stretch>
+        </p:blipFill>
+        <p:spPr>
+          <a:xfrm>
+            <a:off x="611560" y="411510"/>
+            <a:ext cx="3178284" cy="4320480"/>
+          </a:xfrm>
+          <a:prstGeom prst="rect">
+            <a:avLst/>
+          </a:prstGeom>
         </p:spPr>
       </p:pic>
     </p:spTree>
